--- a/Presentation/3 Nov/Final Presentation.pptx
+++ b/Presentation/3 Nov/Final Presentation.pptx
@@ -5,7 +5,7 @@
     <p:sldMasterId id="2147484164" r:id="rId1"/>
   </p:sldMasterIdLst>
   <p:notesMasterIdLst>
-    <p:notesMasterId r:id="rId37"/>
+    <p:notesMasterId r:id="rId38"/>
   </p:notesMasterIdLst>
   <p:sldIdLst>
     <p:sldId id="256" r:id="rId2"/>
@@ -43,6 +43,7 @@
     <p:sldId id="268" r:id="rId34"/>
     <p:sldId id="279" r:id="rId35"/>
     <p:sldId id="269" r:id="rId36"/>
+    <p:sldId id="294" r:id="rId37"/>
   </p:sldIdLst>
   <p:sldSz cx="9144000" cy="6858000" type="screen4x3"/>
   <p:notesSz cx="6858000" cy="9144000"/>
@@ -147,7 +148,7 @@
 <file path=ppt/charts/chart1.xml><?xml version="1.0" encoding="utf-8"?>
 <c:chartSpace xmlns:c="http://schemas.openxmlformats.org/drawingml/2006/chart" xmlns:a="http://schemas.openxmlformats.org/drawingml/2006/main" xmlns:r="http://schemas.openxmlformats.org/officeDocument/2006/relationships">
   <c:date1904 val="1"/>
-  <c:lang val="en-ZA"/>
+  <c:lang val="en-GB"/>
   <c:chart>
     <c:title>
       <c:tx>
@@ -283,7 +284,7 @@
 <file path=ppt/charts/chart10.xml><?xml version="1.0" encoding="utf-8"?>
 <c:chartSpace xmlns:c="http://schemas.openxmlformats.org/drawingml/2006/chart" xmlns:a="http://schemas.openxmlformats.org/drawingml/2006/main" xmlns:r="http://schemas.openxmlformats.org/officeDocument/2006/relationships">
   <c:date1904 val="1"/>
-  <c:lang val="en-ZA"/>
+  <c:lang val="en-GB"/>
   <c:chart>
     <c:title>
       <c:tx>
@@ -462,12 +463,12 @@
           </c:val>
         </c:ser>
         <c:shape val="box"/>
-        <c:axId val="63036800"/>
-        <c:axId val="63038976"/>
+        <c:axId val="42274176"/>
+        <c:axId val="42276352"/>
         <c:axId val="0"/>
       </c:bar3DChart>
       <c:catAx>
-        <c:axId val="63036800"/>
+        <c:axId val="42274176"/>
         <c:scaling>
           <c:orientation val="minMax"/>
         </c:scaling>
@@ -503,14 +504,14 @@
             <a:endParaRPr lang="en-US"/>
           </a:p>
         </c:txPr>
-        <c:crossAx val="63038976"/>
+        <c:crossAx val="42276352"/>
         <c:crosses val="autoZero"/>
         <c:auto val="1"/>
         <c:lblAlgn val="ctr"/>
         <c:lblOffset val="100"/>
       </c:catAx>
       <c:valAx>
-        <c:axId val="63038976"/>
+        <c:axId val="42276352"/>
         <c:scaling>
           <c:orientation val="minMax"/>
         </c:scaling>
@@ -546,7 +547,7 @@
             <a:endParaRPr lang="en-US"/>
           </a:p>
         </c:txPr>
-        <c:crossAx val="63036800"/>
+        <c:crossAx val="42274176"/>
         <c:crosses val="autoZero"/>
         <c:crossBetween val="between"/>
       </c:valAx>
@@ -574,7 +575,7 @@
 <file path=ppt/charts/chart2.xml><?xml version="1.0" encoding="utf-8"?>
 <c:chartSpace xmlns:c="http://schemas.openxmlformats.org/drawingml/2006/chart" xmlns:a="http://schemas.openxmlformats.org/drawingml/2006/main" xmlns:r="http://schemas.openxmlformats.org/officeDocument/2006/relationships">
   <c:date1904 val="1"/>
-  <c:lang val="en-ZA"/>
+  <c:lang val="en-GB"/>
   <c:chart>
     <c:title>
       <c:tx>
@@ -694,7 +695,7 @@
 <file path=ppt/charts/chart3.xml><?xml version="1.0" encoding="utf-8"?>
 <c:chartSpace xmlns:c="http://schemas.openxmlformats.org/drawingml/2006/chart" xmlns:a="http://schemas.openxmlformats.org/drawingml/2006/main" xmlns:r="http://schemas.openxmlformats.org/officeDocument/2006/relationships">
   <c:date1904 val="1"/>
-  <c:lang val="en-ZA"/>
+  <c:lang val="en-GB"/>
   <c:chart>
     <c:title>
       <c:tx>
@@ -765,12 +766,12 @@
           </c:val>
         </c:ser>
         <c:shape val="box"/>
-        <c:axId val="62673664"/>
-        <c:axId val="62675584"/>
+        <c:axId val="82941824"/>
+        <c:axId val="82960384"/>
         <c:axId val="0"/>
       </c:bar3DChart>
       <c:catAx>
-        <c:axId val="62673664"/>
+        <c:axId val="82941824"/>
         <c:scaling>
           <c:orientation val="minMax"/>
         </c:scaling>
@@ -810,14 +811,14 @@
             <a:endParaRPr lang="en-US"/>
           </a:p>
         </c:txPr>
-        <c:crossAx val="62675584"/>
+        <c:crossAx val="82960384"/>
         <c:crosses val="autoZero"/>
         <c:auto val="1"/>
         <c:lblAlgn val="ctr"/>
         <c:lblOffset val="100"/>
       </c:catAx>
       <c:valAx>
-        <c:axId val="62675584"/>
+        <c:axId val="82960384"/>
         <c:scaling>
           <c:orientation val="minMax"/>
         </c:scaling>
@@ -858,7 +859,7 @@
             <a:endParaRPr lang="en-US"/>
           </a:p>
         </c:txPr>
-        <c:crossAx val="62673664"/>
+        <c:crossAx val="82941824"/>
         <c:crosses val="autoZero"/>
         <c:crossBetween val="between"/>
       </c:valAx>
@@ -886,7 +887,7 @@
 <file path=ppt/charts/chart4.xml><?xml version="1.0" encoding="utf-8"?>
 <c:chartSpace xmlns:c="http://schemas.openxmlformats.org/drawingml/2006/chart" xmlns:a="http://schemas.openxmlformats.org/drawingml/2006/main" xmlns:r="http://schemas.openxmlformats.org/officeDocument/2006/relationships">
   <c:date1904 val="1"/>
-  <c:lang val="en-ZA"/>
+  <c:lang val="en-GB"/>
   <c:chart>
     <c:title>
       <c:tx>
@@ -997,7 +998,7 @@
 <file path=ppt/charts/chart5.xml><?xml version="1.0" encoding="utf-8"?>
 <c:chartSpace xmlns:c="http://schemas.openxmlformats.org/drawingml/2006/chart" xmlns:a="http://schemas.openxmlformats.org/drawingml/2006/main" xmlns:r="http://schemas.openxmlformats.org/officeDocument/2006/relationships">
   <c:date1904 val="1"/>
-  <c:lang val="en-ZA"/>
+  <c:lang val="en-GB"/>
   <c:chart>
     <c:title>
       <c:tx>
@@ -1108,7 +1109,7 @@
 <file path=ppt/charts/chart6.xml><?xml version="1.0" encoding="utf-8"?>
 <c:chartSpace xmlns:c="http://schemas.openxmlformats.org/drawingml/2006/chart" xmlns:a="http://schemas.openxmlformats.org/drawingml/2006/main" xmlns:r="http://schemas.openxmlformats.org/officeDocument/2006/relationships">
   <c:date1904 val="1"/>
-  <c:lang val="en-ZA"/>
+  <c:lang val="en-GB"/>
   <c:chart>
     <c:title>
       <c:tx>
@@ -1179,12 +1180,12 @@
           </c:val>
         </c:ser>
         <c:shape val="box"/>
-        <c:axId val="62821120"/>
-        <c:axId val="62823040"/>
+        <c:axId val="83289984"/>
+        <c:axId val="83611648"/>
         <c:axId val="0"/>
       </c:bar3DChart>
       <c:catAx>
-        <c:axId val="62821120"/>
+        <c:axId val="83289984"/>
         <c:scaling>
           <c:orientation val="minMax"/>
         </c:scaling>
@@ -1219,14 +1220,14 @@
             <a:endParaRPr lang="en-US"/>
           </a:p>
         </c:txPr>
-        <c:crossAx val="62823040"/>
+        <c:crossAx val="83611648"/>
         <c:crosses val="autoZero"/>
         <c:auto val="1"/>
         <c:lblAlgn val="ctr"/>
         <c:lblOffset val="100"/>
       </c:catAx>
       <c:valAx>
-        <c:axId val="62823040"/>
+        <c:axId val="83611648"/>
         <c:scaling>
           <c:orientation val="minMax"/>
         </c:scaling>
@@ -1267,7 +1268,7 @@
             <a:endParaRPr lang="en-US"/>
           </a:p>
         </c:txPr>
-        <c:crossAx val="62821120"/>
+        <c:crossAx val="83289984"/>
         <c:crosses val="autoZero"/>
         <c:crossBetween val="between"/>
       </c:valAx>
@@ -1295,7 +1296,7 @@
 <file path=ppt/charts/chart7.xml><?xml version="1.0" encoding="utf-8"?>
 <c:chartSpace xmlns:c="http://schemas.openxmlformats.org/drawingml/2006/chart" xmlns:a="http://schemas.openxmlformats.org/drawingml/2006/main" xmlns:r="http://schemas.openxmlformats.org/officeDocument/2006/relationships">
   <c:date1904 val="1"/>
-  <c:lang val="en-ZA"/>
+  <c:lang val="en-GB"/>
   <c:chart>
     <c:title>
       <c:tx>
@@ -1379,12 +1380,12 @@
           </c:val>
         </c:ser>
         <c:shape val="box"/>
-        <c:axId val="62744448"/>
-        <c:axId val="62767104"/>
+        <c:axId val="85845888"/>
+        <c:axId val="83628032"/>
         <c:axId val="0"/>
       </c:bar3DChart>
       <c:catAx>
-        <c:axId val="62744448"/>
+        <c:axId val="85845888"/>
         <c:scaling>
           <c:orientation val="minMax"/>
         </c:scaling>
@@ -1420,14 +1421,14 @@
             <a:endParaRPr lang="en-US"/>
           </a:p>
         </c:txPr>
-        <c:crossAx val="62767104"/>
+        <c:crossAx val="83628032"/>
         <c:crosses val="autoZero"/>
         <c:auto val="1"/>
         <c:lblAlgn val="ctr"/>
         <c:lblOffset val="100"/>
       </c:catAx>
       <c:valAx>
-        <c:axId val="62767104"/>
+        <c:axId val="83628032"/>
         <c:scaling>
           <c:orientation val="minMax"/>
         </c:scaling>
@@ -1463,7 +1464,7 @@
             <a:endParaRPr lang="en-US"/>
           </a:p>
         </c:txPr>
-        <c:crossAx val="62744448"/>
+        <c:crossAx val="85845888"/>
         <c:crosses val="autoZero"/>
         <c:crossBetween val="between"/>
       </c:valAx>
@@ -1491,7 +1492,7 @@
 <file path=ppt/charts/chart8.xml><?xml version="1.0" encoding="utf-8"?>
 <c:chartSpace xmlns:c="http://schemas.openxmlformats.org/drawingml/2006/chart" xmlns:a="http://schemas.openxmlformats.org/drawingml/2006/main" xmlns:r="http://schemas.openxmlformats.org/officeDocument/2006/relationships">
   <c:date1904 val="1"/>
-  <c:lang val="en-ZA"/>
+  <c:lang val="en-GB"/>
   <c:chart>
     <c:title>
       <c:tx>
@@ -1678,12 +1679,12 @@
           </c:val>
         </c:ser>
         <c:shape val="box"/>
-        <c:axId val="62896768"/>
-        <c:axId val="62898944"/>
+        <c:axId val="83688064"/>
+        <c:axId val="42078976"/>
         <c:axId val="0"/>
       </c:bar3DChart>
       <c:catAx>
-        <c:axId val="62896768"/>
+        <c:axId val="83688064"/>
         <c:scaling>
           <c:orientation val="minMax"/>
         </c:scaling>
@@ -1719,14 +1720,14 @@
             <a:endParaRPr lang="en-US"/>
           </a:p>
         </c:txPr>
-        <c:crossAx val="62898944"/>
+        <c:crossAx val="42078976"/>
         <c:crosses val="autoZero"/>
         <c:auto val="1"/>
         <c:lblAlgn val="ctr"/>
         <c:lblOffset val="100"/>
       </c:catAx>
       <c:valAx>
-        <c:axId val="62898944"/>
+        <c:axId val="42078976"/>
         <c:scaling>
           <c:orientation val="minMax"/>
         </c:scaling>
@@ -1762,7 +1763,7 @@
             <a:endParaRPr lang="en-US"/>
           </a:p>
         </c:txPr>
-        <c:crossAx val="62896768"/>
+        <c:crossAx val="83688064"/>
         <c:crosses val="autoZero"/>
         <c:crossBetween val="between"/>
       </c:valAx>
@@ -1790,7 +1791,7 @@
 <file path=ppt/charts/chart9.xml><?xml version="1.0" encoding="utf-8"?>
 <c:chartSpace xmlns:c="http://schemas.openxmlformats.org/drawingml/2006/chart" xmlns:a="http://schemas.openxmlformats.org/drawingml/2006/main" xmlns:r="http://schemas.openxmlformats.org/officeDocument/2006/relationships">
   <c:date1904 val="1"/>
-  <c:lang val="en-ZA"/>
+  <c:lang val="en-GB"/>
   <c:chart>
     <c:title>
       <c:tx>
@@ -1874,12 +1875,12 @@
           </c:val>
         </c:ser>
         <c:shape val="box"/>
-        <c:axId val="62950016"/>
-        <c:axId val="62956288"/>
+        <c:axId val="42134144"/>
+        <c:axId val="42140416"/>
         <c:axId val="0"/>
       </c:bar3DChart>
       <c:catAx>
-        <c:axId val="62950016"/>
+        <c:axId val="42134144"/>
         <c:scaling>
           <c:orientation val="minMax"/>
         </c:scaling>
@@ -1914,14 +1915,14 @@
             <a:endParaRPr lang="en-US"/>
           </a:p>
         </c:txPr>
-        <c:crossAx val="62956288"/>
+        <c:crossAx val="42140416"/>
         <c:crosses val="autoZero"/>
         <c:auto val="1"/>
         <c:lblAlgn val="ctr"/>
         <c:lblOffset val="100"/>
       </c:catAx>
       <c:valAx>
-        <c:axId val="62956288"/>
+        <c:axId val="42140416"/>
         <c:scaling>
           <c:orientation val="minMax"/>
         </c:scaling>
@@ -1957,7 +1958,7 @@
             <a:endParaRPr lang="en-US"/>
           </a:p>
         </c:txPr>
-        <c:crossAx val="62950016"/>
+        <c:crossAx val="42134144"/>
         <c:crosses val="autoZero"/>
         <c:crossBetween val="between"/>
       </c:valAx>
@@ -7559,6 +7560,108 @@
               <a:rPr lang="en-GB" smtClean="0"/>
               <a:pPr/>
               <a:t>35</a:t>
+            </a:fld>
+            <a:endParaRPr lang="en-GB"/>
+          </a:p>
+        </p:txBody>
+      </p:sp>
+    </p:spTree>
+  </p:cSld>
+  <p:clrMapOvr>
+    <a:masterClrMapping/>
+  </p:clrMapOvr>
+</p:notes>
+</file>
+
+<file path=ppt/notesSlides/notesSlide34.xml><?xml version="1.0" encoding="utf-8"?>
+<p:notes xmlns:a="http://schemas.openxmlformats.org/drawingml/2006/main" xmlns:r="http://schemas.openxmlformats.org/officeDocument/2006/relationships" xmlns:p="http://schemas.openxmlformats.org/presentationml/2006/main">
+  <p:cSld>
+    <p:spTree>
+      <p:nvGrpSpPr>
+        <p:cNvPr id="1" name=""/>
+        <p:cNvGrpSpPr/>
+        <p:nvPr/>
+      </p:nvGrpSpPr>
+      <p:grpSpPr>
+        <a:xfrm>
+          <a:off x="0" y="0"/>
+          <a:ext cx="0" cy="0"/>
+          <a:chOff x="0" y="0"/>
+          <a:chExt cx="0" cy="0"/>
+        </a:xfrm>
+      </p:grpSpPr>
+      <p:sp>
+        <p:nvSpPr>
+          <p:cNvPr id="2" name="Slide Image Placeholder 1"/>
+          <p:cNvSpPr>
+            <a:spLocks noGrp="1" noRot="1" noChangeAspect="1"/>
+          </p:cNvSpPr>
+          <p:nvPr>
+            <p:ph type="sldImg"/>
+          </p:nvPr>
+        </p:nvSpPr>
+        <p:spPr/>
+      </p:sp>
+      <p:sp>
+        <p:nvSpPr>
+          <p:cNvPr id="3" name="Notes Placeholder 2"/>
+          <p:cNvSpPr>
+            <a:spLocks noGrp="1"/>
+          </p:cNvSpPr>
+          <p:nvPr>
+            <p:ph type="body" idx="1"/>
+          </p:nvPr>
+        </p:nvSpPr>
+        <p:spPr/>
+        <p:txBody>
+          <a:bodyPr>
+            <a:normAutofit lnSpcReduction="10000"/>
+          </a:bodyPr>
+          <a:lstStyle/>
+          <a:p>
+            <a:pPr marL="0" marR="0" lvl="1" indent="0" algn="l" defTabSz="914400" rtl="0" eaLnBrk="1" fontAlgn="auto" latinLnBrk="0" hangingPunct="1">
+              <a:lnSpc>
+                <a:spcPct val="100000"/>
+              </a:lnSpc>
+              <a:spcBef>
+                <a:spcPts val="0"/>
+              </a:spcBef>
+              <a:spcAft>
+                <a:spcPts val="0"/>
+              </a:spcAft>
+              <a:buClrTx/>
+              <a:buSzTx/>
+              <a:buFont typeface="Arial" pitchFamily="34" charset="0"/>
+              <a:buNone/>
+              <a:tabLst/>
+              <a:defRPr/>
+            </a:pPr>
+            <a:endParaRPr lang="en-US" sz="2800" baseline="0" dirty="0" smtClean="0">
+              <a:latin typeface="Arial" pitchFamily="34" charset="0"/>
+              <a:cs typeface="Arial" pitchFamily="34" charset="0"/>
+            </a:endParaRPr>
+          </a:p>
+        </p:txBody>
+      </p:sp>
+      <p:sp>
+        <p:nvSpPr>
+          <p:cNvPr id="4" name="Slide Number Placeholder 3"/>
+          <p:cNvSpPr>
+            <a:spLocks noGrp="1"/>
+          </p:cNvSpPr>
+          <p:nvPr>
+            <p:ph type="sldNum" sz="quarter" idx="10"/>
+          </p:nvPr>
+        </p:nvSpPr>
+        <p:spPr/>
+        <p:txBody>
+          <a:bodyPr/>
+          <a:lstStyle/>
+          <a:p>
+            <a:fld id="{90F61B56-AEFB-45C3-9B8A-BDCE4E476CAF}" type="slidenum">
+              <a:rPr lang="en-GB" smtClean="0"/>
+              <a:pPr/>
+              <a:t>36</a:t>
             </a:fld>
             <a:endParaRPr lang="en-GB"/>
           </a:p>
@@ -13425,8 +13528,19 @@
                 <a:latin typeface="Arial" pitchFamily="34" charset="0"/>
                 <a:cs typeface="Arial" pitchFamily="34" charset="0"/>
               </a:rPr>
-              <a:t>Technique</a:t>
-            </a:r>
+              <a:t>t</a:t>
+            </a:r>
+            <a:r>
+              <a:rPr lang="en-ZA" sz="2800" dirty="0" smtClean="0">
+                <a:latin typeface="Arial" pitchFamily="34" charset="0"/>
+                <a:cs typeface="Arial" pitchFamily="34" charset="0"/>
+              </a:rPr>
+              <a:t>echnique</a:t>
+            </a:r>
+            <a:endParaRPr lang="en-ZA" sz="2800" dirty="0" smtClean="0">
+              <a:latin typeface="Arial" pitchFamily="34" charset="0"/>
+              <a:cs typeface="Arial" pitchFamily="34" charset="0"/>
+            </a:endParaRPr>
           </a:p>
           <a:p>
             <a:pPr algn="ctr"/>
@@ -13477,31 +13591,17 @@
                 <a:latin typeface="Arial" pitchFamily="34" charset="0"/>
                 <a:cs typeface="Arial" pitchFamily="34" charset="0"/>
               </a:rPr>
-              <a:t>Visual feedback </a:t>
-            </a:r>
+              <a:t>Visual feedback technique</a:t>
+            </a:r>
+          </a:p>
+          <a:p>
+            <a:pPr algn="ctr"/>
             <a:r>
               <a:rPr lang="en-ZA" sz="2800" dirty="0" smtClean="0">
                 <a:latin typeface="Arial" pitchFamily="34" charset="0"/>
                 <a:cs typeface="Arial" pitchFamily="34" charset="0"/>
               </a:rPr>
-              <a:t>technique</a:t>
-            </a:r>
-          </a:p>
-          <a:p>
-            <a:pPr algn="ctr"/>
-            <a:r>
-              <a:rPr lang="en-ZA" sz="2800" dirty="0" smtClean="0">
-                <a:latin typeface="Arial" pitchFamily="34" charset="0"/>
-                <a:cs typeface="Arial" pitchFamily="34" charset="0"/>
-              </a:rPr>
-              <a:t>p</a:t>
-            </a:r>
-            <a:r>
-              <a:rPr lang="en-ZA" sz="2800" dirty="0" smtClean="0">
-                <a:latin typeface="Arial" pitchFamily="34" charset="0"/>
-                <a:cs typeface="Arial" pitchFamily="34" charset="0"/>
-              </a:rPr>
-              <a:t>reference</a:t>
+              <a:t>preference</a:t>
             </a:r>
             <a:endParaRPr lang="en-GB" sz="2800" dirty="0">
               <a:latin typeface="Arial" pitchFamily="34" charset="0"/>
@@ -14337,7 +14437,14 @@
                 <a:latin typeface="Arial" pitchFamily="34" charset="0"/>
                 <a:cs typeface="Arial" pitchFamily="34" charset="0"/>
               </a:rPr>
-              <a:t>More complicated site</a:t>
+              <a:t>More complicated </a:t>
+            </a:r>
+            <a:r>
+              <a:rPr lang="en-GB" sz="2800" dirty="0" smtClean="0">
+                <a:latin typeface="Arial" pitchFamily="34" charset="0"/>
+                <a:cs typeface="Arial" pitchFamily="34" charset="0"/>
+              </a:rPr>
+              <a:t>website</a:t>
             </a:r>
             <a:endParaRPr lang="en-GB" sz="2800" dirty="0">
               <a:latin typeface="Arial" pitchFamily="34" charset="0"/>
@@ -14796,14 +14903,7 @@
                 <a:latin typeface="Arial" pitchFamily="34" charset="0"/>
                 <a:cs typeface="Arial" pitchFamily="34" charset="0"/>
               </a:rPr>
-              <a:t> </a:t>
-            </a:r>
-            <a:r>
-              <a:rPr lang="en-US" sz="3200" dirty="0" smtClean="0">
-                <a:latin typeface="Arial" pitchFamily="34" charset="0"/>
-                <a:cs typeface="Arial" pitchFamily="34" charset="0"/>
-              </a:rPr>
-              <a:t>Online API from SpeechAPI.com used</a:t>
+              <a:t> Online API from SpeechAPI.com used</a:t>
             </a:r>
           </a:p>
           <a:p>
@@ -17982,14 +18082,7 @@
                 <a:latin typeface="Arial" pitchFamily="34" charset="0"/>
                 <a:cs typeface="Arial" pitchFamily="34" charset="0"/>
               </a:rPr>
-              <a:t>Perceived </a:t>
-            </a:r>
-            <a:r>
-              <a:rPr lang="en-US" sz="3500" dirty="0" smtClean="0">
-                <a:latin typeface="Arial" pitchFamily="34" charset="0"/>
-                <a:cs typeface="Arial" pitchFamily="34" charset="0"/>
-              </a:rPr>
-              <a:t>better performance</a:t>
+              <a:t>Perceived better performance</a:t>
             </a:r>
             <a:r>
               <a:rPr lang="en-US" sz="3200" dirty="0" smtClean="0">
@@ -21791,6 +21884,224 @@
               </a:rPr>
               <a:t>Future Work</a:t>
             </a:r>
+          </a:p>
+        </p:txBody>
+      </p:sp>
+    </p:spTree>
+  </p:cSld>
+  <p:clrMapOvr>
+    <a:masterClrMapping/>
+  </p:clrMapOvr>
+  <p:timing>
+    <p:tnLst>
+      <p:par>
+        <p:cTn id="1" dur="indefinite" restart="never" nodeType="tmRoot"/>
+      </p:par>
+    </p:tnLst>
+  </p:timing>
+</p:sld>
+</file>
+
+<file path=ppt/slides/slide36.xml><?xml version="1.0" encoding="utf-8"?>
+<p:sld xmlns:a="http://schemas.openxmlformats.org/drawingml/2006/main" xmlns:r="http://schemas.openxmlformats.org/officeDocument/2006/relationships" xmlns:p="http://schemas.openxmlformats.org/presentationml/2006/main">
+  <p:cSld>
+    <p:spTree>
+      <p:nvGrpSpPr>
+        <p:cNvPr id="1" name=""/>
+        <p:cNvGrpSpPr/>
+        <p:nvPr/>
+      </p:nvGrpSpPr>
+      <p:grpSpPr>
+        <a:xfrm>
+          <a:off x="0" y="0"/>
+          <a:ext cx="0" cy="0"/>
+          <a:chOff x="0" y="0"/>
+          <a:chExt cx="0" cy="0"/>
+        </a:xfrm>
+      </p:grpSpPr>
+      <p:pic>
+        <p:nvPicPr>
+          <p:cNvPr id="1028" name="Picture 4" descr="C:\2011\campus\ELEN 4012 - Lab Project\Lab Proj Impl\Open Day\Project User photos\SAM_0183.JPG"/>
+          <p:cNvPicPr>
+            <a:picLocks noChangeAspect="1" noChangeArrowheads="1"/>
+          </p:cNvPicPr>
+          <p:nvPr/>
+        </p:nvPicPr>
+        <p:blipFill>
+          <a:blip r:embed="rId3" cstate="print"/>
+          <a:srcRect/>
+          <a:stretch>
+            <a:fillRect/>
+          </a:stretch>
+        </p:blipFill>
+        <p:spPr bwMode="auto">
+          <a:xfrm>
+            <a:off x="2346960" y="3413760"/>
+            <a:ext cx="3881120" cy="2910840"/>
+          </a:xfrm>
+          <a:prstGeom prst="rect">
+            <a:avLst/>
+          </a:prstGeom>
+          <a:noFill/>
+        </p:spPr>
+      </p:pic>
+      <p:sp>
+        <p:nvSpPr>
+          <p:cNvPr id="6" name="Line 36"/>
+          <p:cNvSpPr>
+            <a:spLocks noChangeShapeType="1"/>
+          </p:cNvSpPr>
+          <p:nvPr/>
+        </p:nvSpPr>
+        <p:spPr bwMode="auto">
+          <a:xfrm>
+            <a:off x="1447800" y="571500"/>
+            <a:ext cx="7086600" cy="0"/>
+          </a:xfrm>
+          <a:prstGeom prst="line">
+            <a:avLst/>
+          </a:prstGeom>
+          <a:noFill/>
+          <a:ln w="38100">
+            <a:solidFill>
+              <a:schemeClr val="accent2"/>
+            </a:solidFill>
+            <a:round/>
+            <a:headEnd/>
+            <a:tailEnd/>
+          </a:ln>
+        </p:spPr>
+        <p:txBody>
+          <a:bodyPr/>
+          <a:lstStyle/>
+          <a:p>
+            <a:endParaRPr lang="en-GB"/>
+          </a:p>
+        </p:txBody>
+      </p:sp>
+      <p:pic>
+        <p:nvPicPr>
+          <p:cNvPr id="1026" name="Picture 2" descr="C:\2011\campus\ELEN 4012 - Lab Project\Lab Proj Impl\Open Day\Project User photos\SAM_0181.JPG"/>
+          <p:cNvPicPr>
+            <a:picLocks noChangeAspect="1" noChangeArrowheads="1"/>
+          </p:cNvPicPr>
+          <p:nvPr/>
+        </p:nvPicPr>
+        <p:blipFill>
+          <a:blip r:embed="rId4" cstate="print"/>
+          <a:srcRect/>
+          <a:stretch>
+            <a:fillRect/>
+          </a:stretch>
+        </p:blipFill>
+        <p:spPr bwMode="auto">
+          <a:xfrm>
+            <a:off x="4892040" y="1097280"/>
+            <a:ext cx="3657600" cy="2743200"/>
+          </a:xfrm>
+          <a:prstGeom prst="rect">
+            <a:avLst/>
+          </a:prstGeom>
+          <a:noFill/>
+        </p:spPr>
+      </p:pic>
+      <p:pic>
+        <p:nvPicPr>
+          <p:cNvPr id="1027" name="Picture 3" descr="C:\2011\campus\ELEN 4012 - Lab Project\Lab Proj Impl\Open Day\Project User photos\SAM_0189.JPG"/>
+          <p:cNvPicPr>
+            <a:picLocks noChangeAspect="1" noChangeArrowheads="1"/>
+          </p:cNvPicPr>
+          <p:nvPr/>
+        </p:nvPicPr>
+        <p:blipFill>
+          <a:blip r:embed="rId5" cstate="print"/>
+          <a:srcRect/>
+          <a:stretch>
+            <a:fillRect/>
+          </a:stretch>
+        </p:blipFill>
+        <p:spPr bwMode="auto">
+          <a:xfrm>
+            <a:off x="624840" y="975360"/>
+            <a:ext cx="3444240" cy="2583180"/>
+          </a:xfrm>
+          <a:prstGeom prst="rect">
+            <a:avLst/>
+          </a:prstGeom>
+          <a:noFill/>
+        </p:spPr>
+      </p:pic>
+      <p:sp>
+        <p:nvSpPr>
+          <p:cNvPr id="10" name="Rectangle 11"/>
+          <p:cNvSpPr txBox="1">
+            <a:spLocks noChangeArrowheads="1"/>
+          </p:cNvSpPr>
+          <p:nvPr/>
+        </p:nvSpPr>
+        <p:spPr>
+          <a:xfrm>
+            <a:off x="3492500" y="0"/>
+            <a:ext cx="5334000" cy="457200"/>
+          </a:xfrm>
+          <a:prstGeom prst="rect">
+            <a:avLst/>
+          </a:prstGeom>
+        </p:spPr>
+        <p:txBody>
+          <a:bodyPr vert="horz">
+            <a:normAutofit/>
+          </a:bodyPr>
+          <a:lstStyle/>
+          <a:p>
+            <a:pPr marL="274320" marR="0" lvl="0" indent="-274320" algn="r" defTabSz="914400" rtl="0" eaLnBrk="1" fontAlgn="auto" latinLnBrk="0" hangingPunct="1">
+              <a:lnSpc>
+                <a:spcPct val="80000"/>
+              </a:lnSpc>
+              <a:spcBef>
+                <a:spcPct val="20000"/>
+              </a:spcBef>
+              <a:spcAft>
+                <a:spcPts val="0"/>
+              </a:spcAft>
+              <a:buClr>
+                <a:schemeClr val="accent3"/>
+              </a:buClr>
+              <a:buSzPct val="95000"/>
+              <a:tabLst/>
+              <a:defRPr/>
+            </a:pPr>
+            <a:r>
+              <a:rPr kumimoji="0" lang="en-US" sz="1800" b="1" i="0" u="none" strike="noStrike" kern="1200" cap="none" spc="0" normalizeH="0" baseline="0" noProof="0" dirty="0" smtClean="0">
+                <a:ln>
+                  <a:noFill/>
+                </a:ln>
+                <a:solidFill>
+                  <a:schemeClr val="bg1"/>
+                </a:solidFill>
+                <a:effectLst/>
+                <a:uLnTx/>
+                <a:uFillTx/>
+                <a:latin typeface="+mn-lt"/>
+                <a:ea typeface="+mn-ea"/>
+                <a:cs typeface="+mn-cs"/>
+              </a:rPr>
+              <a:t>The End</a:t>
+            </a:r>
+            <a:endParaRPr kumimoji="0" lang="en-US" sz="1800" b="1" i="0" u="none" strike="noStrike" kern="1200" cap="none" spc="0" normalizeH="0" baseline="0" noProof="0" dirty="0" smtClean="0">
+              <a:ln>
+                <a:noFill/>
+              </a:ln>
+              <a:solidFill>
+                <a:schemeClr val="bg1"/>
+              </a:solidFill>
+              <a:effectLst/>
+              <a:uLnTx/>
+              <a:uFillTx/>
+              <a:latin typeface="+mn-lt"/>
+              <a:ea typeface="+mn-ea"/>
+              <a:cs typeface="+mn-cs"/>
+            </a:endParaRPr>
           </a:p>
         </p:txBody>
       </p:sp>

--- a/Presentation/3 Nov/Final Presentation.pptx
+++ b/Presentation/3 Nov/Final Presentation.pptx
@@ -203,7 +203,7 @@
             <c:idx val="0"/>
             <c:spPr>
               <a:solidFill>
-                <a:srgbClr val="53548A"/>
+                <a:srgbClr val="FFFF00"/>
               </a:solidFill>
             </c:spPr>
           </c:dPt>
@@ -463,12 +463,12 @@
           </c:val>
         </c:ser>
         <c:shape val="box"/>
-        <c:axId val="42274176"/>
-        <c:axId val="42276352"/>
+        <c:axId val="80297344"/>
+        <c:axId val="80299520"/>
         <c:axId val="0"/>
       </c:bar3DChart>
       <c:catAx>
-        <c:axId val="42274176"/>
+        <c:axId val="80297344"/>
         <c:scaling>
           <c:orientation val="minMax"/>
         </c:scaling>
@@ -504,14 +504,14 @@
             <a:endParaRPr lang="en-US"/>
           </a:p>
         </c:txPr>
-        <c:crossAx val="42276352"/>
+        <c:crossAx val="80299520"/>
         <c:crosses val="autoZero"/>
         <c:auto val="1"/>
         <c:lblAlgn val="ctr"/>
         <c:lblOffset val="100"/>
       </c:catAx>
       <c:valAx>
-        <c:axId val="42276352"/>
+        <c:axId val="80299520"/>
         <c:scaling>
           <c:orientation val="minMax"/>
         </c:scaling>
@@ -547,7 +547,7 @@
             <a:endParaRPr lang="en-US"/>
           </a:p>
         </c:txPr>
-        <c:crossAx val="42274176"/>
+        <c:crossAx val="80297344"/>
         <c:crosses val="autoZero"/>
         <c:crossBetween val="between"/>
       </c:valAx>
@@ -766,12 +766,12 @@
           </c:val>
         </c:ser>
         <c:shape val="box"/>
-        <c:axId val="82941824"/>
-        <c:axId val="82960384"/>
+        <c:axId val="69511040"/>
+        <c:axId val="69529600"/>
         <c:axId val="0"/>
       </c:bar3DChart>
       <c:catAx>
-        <c:axId val="82941824"/>
+        <c:axId val="69511040"/>
         <c:scaling>
           <c:orientation val="minMax"/>
         </c:scaling>
@@ -811,14 +811,14 @@
             <a:endParaRPr lang="en-US"/>
           </a:p>
         </c:txPr>
-        <c:crossAx val="82960384"/>
+        <c:crossAx val="69529600"/>
         <c:crosses val="autoZero"/>
         <c:auto val="1"/>
         <c:lblAlgn val="ctr"/>
         <c:lblOffset val="100"/>
       </c:catAx>
       <c:valAx>
-        <c:axId val="82960384"/>
+        <c:axId val="69529600"/>
         <c:scaling>
           <c:orientation val="minMax"/>
         </c:scaling>
@@ -859,7 +859,7 @@
             <a:endParaRPr lang="en-US"/>
           </a:p>
         </c:txPr>
-        <c:crossAx val="82941824"/>
+        <c:crossAx val="69511040"/>
         <c:crosses val="autoZero"/>
         <c:crossBetween val="between"/>
       </c:valAx>
@@ -1180,12 +1180,12 @@
           </c:val>
         </c:ser>
         <c:shape val="box"/>
-        <c:axId val="83289984"/>
-        <c:axId val="83611648"/>
+        <c:axId val="72607616"/>
+        <c:axId val="72744960"/>
         <c:axId val="0"/>
       </c:bar3DChart>
       <c:catAx>
-        <c:axId val="83289984"/>
+        <c:axId val="72607616"/>
         <c:scaling>
           <c:orientation val="minMax"/>
         </c:scaling>
@@ -1220,14 +1220,14 @@
             <a:endParaRPr lang="en-US"/>
           </a:p>
         </c:txPr>
-        <c:crossAx val="83611648"/>
+        <c:crossAx val="72744960"/>
         <c:crosses val="autoZero"/>
         <c:auto val="1"/>
         <c:lblAlgn val="ctr"/>
         <c:lblOffset val="100"/>
       </c:catAx>
       <c:valAx>
-        <c:axId val="83611648"/>
+        <c:axId val="72744960"/>
         <c:scaling>
           <c:orientation val="minMax"/>
         </c:scaling>
@@ -1268,7 +1268,7 @@
             <a:endParaRPr lang="en-US"/>
           </a:p>
         </c:txPr>
-        <c:crossAx val="83289984"/>
+        <c:crossAx val="72607616"/>
         <c:crosses val="autoZero"/>
         <c:crossBetween val="between"/>
       </c:valAx>
@@ -1380,12 +1380,12 @@
           </c:val>
         </c:ser>
         <c:shape val="box"/>
-        <c:axId val="85845888"/>
-        <c:axId val="83628032"/>
+        <c:axId val="72681344"/>
+        <c:axId val="72691712"/>
         <c:axId val="0"/>
       </c:bar3DChart>
       <c:catAx>
-        <c:axId val="85845888"/>
+        <c:axId val="72681344"/>
         <c:scaling>
           <c:orientation val="minMax"/>
         </c:scaling>
@@ -1421,14 +1421,14 @@
             <a:endParaRPr lang="en-US"/>
           </a:p>
         </c:txPr>
-        <c:crossAx val="83628032"/>
+        <c:crossAx val="72691712"/>
         <c:crosses val="autoZero"/>
         <c:auto val="1"/>
         <c:lblAlgn val="ctr"/>
         <c:lblOffset val="100"/>
       </c:catAx>
       <c:valAx>
-        <c:axId val="83628032"/>
+        <c:axId val="72691712"/>
         <c:scaling>
           <c:orientation val="minMax"/>
         </c:scaling>
@@ -1464,7 +1464,7 @@
             <a:endParaRPr lang="en-US"/>
           </a:p>
         </c:txPr>
-        <c:crossAx val="85845888"/>
+        <c:crossAx val="72681344"/>
         <c:crosses val="autoZero"/>
         <c:crossBetween val="between"/>
       </c:valAx>
@@ -1679,12 +1679,12 @@
           </c:val>
         </c:ser>
         <c:shape val="box"/>
-        <c:axId val="83688064"/>
-        <c:axId val="42078976"/>
+        <c:axId val="72813184"/>
+        <c:axId val="72819456"/>
         <c:axId val="0"/>
       </c:bar3DChart>
       <c:catAx>
-        <c:axId val="83688064"/>
+        <c:axId val="72813184"/>
         <c:scaling>
           <c:orientation val="minMax"/>
         </c:scaling>
@@ -1720,14 +1720,14 @@
             <a:endParaRPr lang="en-US"/>
           </a:p>
         </c:txPr>
-        <c:crossAx val="42078976"/>
+        <c:crossAx val="72819456"/>
         <c:crosses val="autoZero"/>
         <c:auto val="1"/>
         <c:lblAlgn val="ctr"/>
         <c:lblOffset val="100"/>
       </c:catAx>
       <c:valAx>
-        <c:axId val="42078976"/>
+        <c:axId val="72819456"/>
         <c:scaling>
           <c:orientation val="minMax"/>
         </c:scaling>
@@ -1763,7 +1763,7 @@
             <a:endParaRPr lang="en-US"/>
           </a:p>
         </c:txPr>
-        <c:crossAx val="83688064"/>
+        <c:crossAx val="72813184"/>
         <c:crosses val="autoZero"/>
         <c:crossBetween val="between"/>
       </c:valAx>
@@ -1875,12 +1875,12 @@
           </c:val>
         </c:ser>
         <c:shape val="box"/>
-        <c:axId val="42134144"/>
-        <c:axId val="42140416"/>
+        <c:axId val="72874624"/>
+        <c:axId val="80024320"/>
         <c:axId val="0"/>
       </c:bar3DChart>
       <c:catAx>
-        <c:axId val="42134144"/>
+        <c:axId val="72874624"/>
         <c:scaling>
           <c:orientation val="minMax"/>
         </c:scaling>
@@ -1915,14 +1915,14 @@
             <a:endParaRPr lang="en-US"/>
           </a:p>
         </c:txPr>
-        <c:crossAx val="42140416"/>
+        <c:crossAx val="80024320"/>
         <c:crosses val="autoZero"/>
         <c:auto val="1"/>
         <c:lblAlgn val="ctr"/>
         <c:lblOffset val="100"/>
       </c:catAx>
       <c:valAx>
-        <c:axId val="42140416"/>
+        <c:axId val="80024320"/>
         <c:scaling>
           <c:orientation val="minMax"/>
         </c:scaling>
@@ -1958,7 +1958,7 @@
             <a:endParaRPr lang="en-US"/>
           </a:p>
         </c:txPr>
-        <c:crossAx val="42134144"/>
+        <c:crossAx val="72874624"/>
         <c:crosses val="autoZero"/>
         <c:crossBetween val="between"/>
       </c:valAx>
@@ -2066,7 +2066,7 @@
             <a:fld id="{BDCD609A-386A-4C9A-90D2-8B3FA151554E}" type="datetimeFigureOut">
               <a:rPr lang="en-US" smtClean="0"/>
               <a:pPr/>
-              <a:t>11/3/2011</a:t>
+              <a:t>11/4/2011</a:t>
             </a:fld>
             <a:endParaRPr lang="en-GB"/>
           </a:p>
@@ -9615,7 +9615,7 @@
             <a:fld id="{B21BC2FF-5041-419E-897C-13589D9EF291}" type="datetimeFigureOut">
               <a:rPr lang="en-US" smtClean="0"/>
               <a:pPr/>
-              <a:t>11/3/2011</a:t>
+              <a:t>11/4/2011</a:t>
             </a:fld>
             <a:endParaRPr lang="en-GB"/>
           </a:p>
@@ -9800,7 +9800,7 @@
             <a:fld id="{B21BC2FF-5041-419E-897C-13589D9EF291}" type="datetimeFigureOut">
               <a:rPr lang="en-US" smtClean="0"/>
               <a:pPr/>
-              <a:t>11/3/2011</a:t>
+              <a:t>11/4/2011</a:t>
             </a:fld>
             <a:endParaRPr lang="en-GB"/>
           </a:p>
@@ -9977,7 +9977,7 @@
             <a:fld id="{B21BC2FF-5041-419E-897C-13589D9EF291}" type="datetimeFigureOut">
               <a:rPr lang="en-US" smtClean="0"/>
               <a:pPr/>
-              <a:t>11/3/2011</a:t>
+              <a:t>11/4/2011</a:t>
             </a:fld>
             <a:endParaRPr lang="en-GB"/>
           </a:p>
@@ -10144,7 +10144,7 @@
             <a:fld id="{B21BC2FF-5041-419E-897C-13589D9EF291}" type="datetimeFigureOut">
               <a:rPr lang="en-US" smtClean="0"/>
               <a:pPr/>
-              <a:t>11/3/2011</a:t>
+              <a:t>11/4/2011</a:t>
             </a:fld>
             <a:endParaRPr lang="en-GB"/>
           </a:p>
@@ -10367,7 +10367,7 @@
             <a:fld id="{B21BC2FF-5041-419E-897C-13589D9EF291}" type="datetimeFigureOut">
               <a:rPr lang="en-US" smtClean="0"/>
               <a:pPr/>
-              <a:t>11/3/2011</a:t>
+              <a:t>11/4/2011</a:t>
             </a:fld>
             <a:endParaRPr lang="en-GB"/>
           </a:p>
@@ -10628,7 +10628,7 @@
             <a:fld id="{B21BC2FF-5041-419E-897C-13589D9EF291}" type="datetimeFigureOut">
               <a:rPr lang="en-US" smtClean="0"/>
               <a:pPr/>
-              <a:t>11/3/2011</a:t>
+              <a:t>11/4/2011</a:t>
             </a:fld>
             <a:endParaRPr lang="en-GB"/>
           </a:p>
@@ -11034,7 +11034,7 @@
             <a:fld id="{B21BC2FF-5041-419E-897C-13589D9EF291}" type="datetimeFigureOut">
               <a:rPr lang="en-US" smtClean="0"/>
               <a:pPr/>
-              <a:t>11/3/2011</a:t>
+              <a:t>11/4/2011</a:t>
             </a:fld>
             <a:endParaRPr lang="en-GB"/>
           </a:p>
@@ -11167,7 +11167,7 @@
             <a:fld id="{B21BC2FF-5041-419E-897C-13589D9EF291}" type="datetimeFigureOut">
               <a:rPr lang="en-US" smtClean="0"/>
               <a:pPr/>
-              <a:t>11/3/2011</a:t>
+              <a:t>11/4/2011</a:t>
             </a:fld>
             <a:endParaRPr lang="en-GB"/>
           </a:p>
@@ -11269,7 +11269,7 @@
             <a:fld id="{B21BC2FF-5041-419E-897C-13589D9EF291}" type="datetimeFigureOut">
               <a:rPr lang="en-US" smtClean="0"/>
               <a:pPr/>
-              <a:t>11/3/2011</a:t>
+              <a:t>11/4/2011</a:t>
             </a:fld>
             <a:endParaRPr lang="en-GB"/>
           </a:p>
@@ -11516,7 +11516,7 @@
             <a:fld id="{B21BC2FF-5041-419E-897C-13589D9EF291}" type="datetimeFigureOut">
               <a:rPr lang="en-US" smtClean="0"/>
               <a:pPr/>
-              <a:t>11/3/2011</a:t>
+              <a:t>11/4/2011</a:t>
             </a:fld>
             <a:endParaRPr lang="en-GB"/>
           </a:p>
@@ -11762,7 +11762,7 @@
             <a:fld id="{B21BC2FF-5041-419E-897C-13589D9EF291}" type="datetimeFigureOut">
               <a:rPr lang="en-US" smtClean="0"/>
               <a:pPr/>
-              <a:t>11/3/2011</a:t>
+              <a:t>11/4/2011</a:t>
             </a:fld>
             <a:endParaRPr lang="en-GB"/>
           </a:p>
@@ -12588,7 +12588,7 @@
             <a:fld id="{B21BC2FF-5041-419E-897C-13589D9EF291}" type="datetimeFigureOut">
               <a:rPr lang="en-US" smtClean="0"/>
               <a:pPr/>
-              <a:t>11/3/2011</a:t>
+              <a:t>11/4/2011</a:t>
             </a:fld>
             <a:endParaRPr lang="en-GB"/>
           </a:p>
@@ -13528,19 +13528,8 @@
                 <a:latin typeface="Arial" pitchFamily="34" charset="0"/>
                 <a:cs typeface="Arial" pitchFamily="34" charset="0"/>
               </a:rPr>
-              <a:t>t</a:t>
-            </a:r>
-            <a:r>
-              <a:rPr lang="en-ZA" sz="2800" dirty="0" smtClean="0">
-                <a:latin typeface="Arial" pitchFamily="34" charset="0"/>
-                <a:cs typeface="Arial" pitchFamily="34" charset="0"/>
-              </a:rPr>
-              <a:t>echnique</a:t>
-            </a:r>
-            <a:endParaRPr lang="en-ZA" sz="2800" dirty="0" smtClean="0">
-              <a:latin typeface="Arial" pitchFamily="34" charset="0"/>
-              <a:cs typeface="Arial" pitchFamily="34" charset="0"/>
-            </a:endParaRPr>
+              <a:t>technique</a:t>
+            </a:r>
           </a:p>
           <a:p>
             <a:pPr algn="ctr"/>
@@ -14437,14 +14426,7 @@
                 <a:latin typeface="Arial" pitchFamily="34" charset="0"/>
                 <a:cs typeface="Arial" pitchFamily="34" charset="0"/>
               </a:rPr>
-              <a:t>More complicated </a:t>
-            </a:r>
-            <a:r>
-              <a:rPr lang="en-GB" sz="2800" dirty="0" smtClean="0">
-                <a:latin typeface="Arial" pitchFamily="34" charset="0"/>
-                <a:cs typeface="Arial" pitchFamily="34" charset="0"/>
-              </a:rPr>
-              <a:t>website</a:t>
+              <a:t>More complicated website</a:t>
             </a:r>
             <a:endParaRPr lang="en-GB" sz="2800" dirty="0">
               <a:latin typeface="Arial" pitchFamily="34" charset="0"/>
@@ -17753,8 +17735,19 @@
                 <a:latin typeface="Arial" pitchFamily="34" charset="0"/>
                 <a:cs typeface="Arial" pitchFamily="34" charset="0"/>
               </a:rPr>
-              <a:t>Numerical referencing: 70.3%. </a:t>
-            </a:r>
+              <a:t>Numerical referencing: </a:t>
+            </a:r>
+            <a:r>
+              <a:rPr lang="en-US" sz="3500" dirty="0" smtClean="0">
+                <a:latin typeface="Arial" pitchFamily="34" charset="0"/>
+                <a:cs typeface="Arial" pitchFamily="34" charset="0"/>
+              </a:rPr>
+              <a:t>70%. </a:t>
+            </a:r>
+            <a:endParaRPr lang="en-US" sz="3500" dirty="0" smtClean="0">
+              <a:latin typeface="Arial" pitchFamily="34" charset="0"/>
+              <a:cs typeface="Arial" pitchFamily="34" charset="0"/>
+            </a:endParaRPr>
           </a:p>
           <a:p>
             <a:pPr marL="1115568" lvl="2" indent="-246888">
@@ -17769,7 +17762,14 @@
                 <a:latin typeface="Arial" pitchFamily="34" charset="0"/>
                 <a:cs typeface="Arial" pitchFamily="34" charset="0"/>
               </a:rPr>
-              <a:t>Link name referencing: 29.16%.</a:t>
+              <a:t>Link name referencing: </a:t>
+            </a:r>
+            <a:r>
+              <a:rPr lang="en-US" sz="3500" dirty="0" smtClean="0">
+                <a:latin typeface="Arial" pitchFamily="34" charset="0"/>
+                <a:cs typeface="Arial" pitchFamily="34" charset="0"/>
+              </a:rPr>
+              <a:t>29%.</a:t>
             </a:r>
             <a:endParaRPr lang="en-US" sz="3200" dirty="0" smtClean="0">
               <a:latin typeface="Arial" pitchFamily="34" charset="0"/>
@@ -18473,8 +18473,19 @@
                 <a:latin typeface="Arial" pitchFamily="34" charset="0"/>
                 <a:cs typeface="Arial" pitchFamily="34" charset="0"/>
               </a:rPr>
-              <a:t>Numerical referencing: 68.18%. </a:t>
-            </a:r>
+              <a:t>Numerical referencing: </a:t>
+            </a:r>
+            <a:r>
+              <a:rPr lang="en-US" sz="3500" dirty="0" smtClean="0">
+                <a:latin typeface="Arial" pitchFamily="34" charset="0"/>
+                <a:cs typeface="Arial" pitchFamily="34" charset="0"/>
+              </a:rPr>
+              <a:t>68%. </a:t>
+            </a:r>
+            <a:endParaRPr lang="en-US" sz="3500" dirty="0" smtClean="0">
+              <a:latin typeface="Arial" pitchFamily="34" charset="0"/>
+              <a:cs typeface="Arial" pitchFamily="34" charset="0"/>
+            </a:endParaRPr>
           </a:p>
           <a:p>
             <a:pPr marL="1115568" lvl="2" indent="-246888">
@@ -18489,7 +18500,14 @@
                 <a:latin typeface="Arial" pitchFamily="34" charset="0"/>
                 <a:cs typeface="Arial" pitchFamily="34" charset="0"/>
               </a:rPr>
-              <a:t>Link name referencing: 31.18%.</a:t>
+              <a:t>Link name referencing: </a:t>
+            </a:r>
+            <a:r>
+              <a:rPr lang="en-US" sz="3500" dirty="0" smtClean="0">
+                <a:latin typeface="Arial" pitchFamily="34" charset="0"/>
+                <a:cs typeface="Arial" pitchFamily="34" charset="0"/>
+              </a:rPr>
+              <a:t>31%.</a:t>
             </a:r>
             <a:endParaRPr lang="en-US" sz="3200" dirty="0" smtClean="0">
               <a:latin typeface="Arial" pitchFamily="34" charset="0"/>
@@ -19222,8 +19240,19 @@
                 <a:latin typeface="Arial" pitchFamily="34" charset="0"/>
                 <a:cs typeface="Arial" pitchFamily="34" charset="0"/>
               </a:rPr>
-              <a:t>Link name referencing: 54.76%.</a:t>
-            </a:r>
+              <a:t>Link name referencing: </a:t>
+            </a:r>
+            <a:r>
+              <a:rPr lang="en-US" sz="3200" dirty="0" smtClean="0">
+                <a:latin typeface="Arial" pitchFamily="34" charset="0"/>
+                <a:cs typeface="Arial" pitchFamily="34" charset="0"/>
+              </a:rPr>
+              <a:t>54%.</a:t>
+            </a:r>
+            <a:endParaRPr lang="en-US" sz="3200" dirty="0" smtClean="0">
+              <a:latin typeface="Arial" pitchFamily="34" charset="0"/>
+              <a:cs typeface="Arial" pitchFamily="34" charset="0"/>
+            </a:endParaRPr>
           </a:p>
           <a:p>
             <a:pPr marL="1115568" lvl="2" indent="-246888">
@@ -19238,8 +19267,19 @@
                 <a:latin typeface="Arial" pitchFamily="34" charset="0"/>
                 <a:cs typeface="Arial" pitchFamily="34" charset="0"/>
               </a:rPr>
-              <a:t>Numerical referencing: 45.23%.</a:t>
-            </a:r>
+              <a:t>Numerical referencing: </a:t>
+            </a:r>
+            <a:r>
+              <a:rPr lang="en-US" sz="3200" dirty="0" smtClean="0">
+                <a:latin typeface="Arial" pitchFamily="34" charset="0"/>
+                <a:cs typeface="Arial" pitchFamily="34" charset="0"/>
+              </a:rPr>
+              <a:t>45%.</a:t>
+            </a:r>
+            <a:endParaRPr lang="en-US" sz="3200" dirty="0" smtClean="0">
+              <a:latin typeface="Arial" pitchFamily="34" charset="0"/>
+              <a:cs typeface="Arial" pitchFamily="34" charset="0"/>
+            </a:endParaRPr>
           </a:p>
           <a:p>
             <a:pPr marL="1115568" lvl="2" indent="-246888">
@@ -22088,20 +22128,6 @@
               </a:rPr>
               <a:t>The End</a:t>
             </a:r>
-            <a:endParaRPr kumimoji="0" lang="en-US" sz="1800" b="1" i="0" u="none" strike="noStrike" kern="1200" cap="none" spc="0" normalizeH="0" baseline="0" noProof="0" dirty="0" smtClean="0">
-              <a:ln>
-                <a:noFill/>
-              </a:ln>
-              <a:solidFill>
-                <a:schemeClr val="bg1"/>
-              </a:solidFill>
-              <a:effectLst/>
-              <a:uLnTx/>
-              <a:uFillTx/>
-              <a:latin typeface="+mn-lt"/>
-              <a:ea typeface="+mn-ea"/>
-              <a:cs typeface="+mn-cs"/>
-            </a:endParaRPr>
           </a:p>
         </p:txBody>
       </p:sp>

--- a/Presentation/3 Nov/Final Presentation.pptx
+++ b/Presentation/3 Nov/Final Presentation.pptx
@@ -203,7 +203,23 @@
             <c:idx val="0"/>
             <c:spPr>
               <a:solidFill>
-                <a:srgbClr val="FFFF00"/>
+                <a:srgbClr val="7030A0"/>
+              </a:solidFill>
+            </c:spPr>
+          </c:dPt>
+          <c:dPt>
+            <c:idx val="1"/>
+            <c:spPr>
+              <a:solidFill>
+                <a:srgbClr val="0070C0"/>
+              </a:solidFill>
+            </c:spPr>
+          </c:dPt>
+          <c:dPt>
+            <c:idx val="2"/>
+            <c:spPr>
+              <a:solidFill>
+                <a:srgbClr val="00B050"/>
               </a:solidFill>
             </c:spPr>
           </c:dPt>
@@ -277,6 +293,13 @@
     </c:legend>
     <c:plotVisOnly val="1"/>
   </c:chart>
+  <c:spPr>
+    <a:ln>
+      <a:solidFill>
+        <a:prstClr val="black"/>
+      </a:solidFill>
+    </a:ln>
+  </c:spPr>
   <c:externalData r:id="rId1"/>
 </c:chartSpace>
 </file>
@@ -339,6 +362,11 @@
           <c:tx>
             <c:v>Numerical</c:v>
           </c:tx>
+          <c:spPr>
+            <a:solidFill>
+              <a:srgbClr val="7030A0"/>
+            </a:solidFill>
+          </c:spPr>
           <c:cat>
             <c:numRef>
               <c:f>Sheet1!$B$143:$B$145</c:f>
@@ -382,6 +410,11 @@
           <c:tx>
             <c:v>Link name</c:v>
           </c:tx>
+          <c:spPr>
+            <a:solidFill>
+              <a:srgbClr val="00B050"/>
+            </a:solidFill>
+          </c:spPr>
           <c:cat>
             <c:numRef>
               <c:f>Sheet1!$B$143:$B$145</c:f>
@@ -425,6 +458,11 @@
           <c:tx>
             <c:v>Both</c:v>
           </c:tx>
+          <c:spPr>
+            <a:solidFill>
+              <a:srgbClr val="0070C0"/>
+            </a:solidFill>
+          </c:spPr>
           <c:cat>
             <c:numRef>
               <c:f>Sheet1!$B$143:$B$145</c:f>
@@ -463,12 +501,12 @@
           </c:val>
         </c:ser>
         <c:shape val="box"/>
-        <c:axId val="80297344"/>
-        <c:axId val="80299520"/>
+        <c:axId val="81468800"/>
+        <c:axId val="81470976"/>
         <c:axId val="0"/>
       </c:bar3DChart>
       <c:catAx>
-        <c:axId val="80297344"/>
+        <c:axId val="81468800"/>
         <c:scaling>
           <c:orientation val="minMax"/>
         </c:scaling>
@@ -504,14 +542,14 @@
             <a:endParaRPr lang="en-US"/>
           </a:p>
         </c:txPr>
-        <c:crossAx val="80299520"/>
+        <c:crossAx val="81470976"/>
         <c:crosses val="autoZero"/>
         <c:auto val="1"/>
         <c:lblAlgn val="ctr"/>
         <c:lblOffset val="100"/>
       </c:catAx>
       <c:valAx>
-        <c:axId val="80299520"/>
+        <c:axId val="81470976"/>
         <c:scaling>
           <c:orientation val="minMax"/>
         </c:scaling>
@@ -547,7 +585,7 @@
             <a:endParaRPr lang="en-US"/>
           </a:p>
         </c:txPr>
-        <c:crossAx val="80297344"/>
+        <c:crossAx val="81468800"/>
         <c:crosses val="autoZero"/>
         <c:crossBetween val="between"/>
       </c:valAx>
@@ -568,6 +606,13 @@
     </c:legend>
     <c:plotVisOnly val="1"/>
   </c:chart>
+  <c:spPr>
+    <a:ln>
+      <a:solidFill>
+        <a:schemeClr val="tx1"/>
+      </a:solidFill>
+    </a:ln>
+  </c:spPr>
   <c:externalData r:id="rId1"/>
 </c:chartSpace>
 </file>
@@ -618,6 +663,30 @@
           <c:tx>
             <c:v>series 1</c:v>
           </c:tx>
+          <c:dPt>
+            <c:idx val="0"/>
+            <c:spPr>
+              <a:solidFill>
+                <a:srgbClr val="7030A0"/>
+              </a:solidFill>
+            </c:spPr>
+          </c:dPt>
+          <c:dPt>
+            <c:idx val="1"/>
+            <c:spPr>
+              <a:solidFill>
+                <a:srgbClr val="0070C0"/>
+              </a:solidFill>
+            </c:spPr>
+          </c:dPt>
+          <c:dPt>
+            <c:idx val="2"/>
+            <c:spPr>
+              <a:solidFill>
+                <a:srgbClr val="00B050"/>
+              </a:solidFill>
+            </c:spPr>
+          </c:dPt>
           <c:dLbls>
             <c:txPr>
               <a:bodyPr/>
@@ -688,6 +757,13 @@
     </c:legend>
     <c:plotVisOnly val="1"/>
   </c:chart>
+  <c:spPr>
+    <a:ln>
+      <a:solidFill>
+        <a:prstClr val="black"/>
+      </a:solidFill>
+    </a:ln>
+  </c:spPr>
   <c:externalData r:id="rId1"/>
 </c:chartSpace>
 </file>
@@ -729,6 +805,11 @@
           <c:tx>
             <c:v>series 1</c:v>
           </c:tx>
+          <c:spPr>
+            <a:solidFill>
+              <a:srgbClr val="002060"/>
+            </a:solidFill>
+          </c:spPr>
           <c:cat>
             <c:strRef>
               <c:f>Sheet1!$D$9:$D$11</c:f>
@@ -766,12 +847,12 @@
           </c:val>
         </c:ser>
         <c:shape val="box"/>
-        <c:axId val="69511040"/>
-        <c:axId val="69529600"/>
+        <c:axId val="68650880"/>
+        <c:axId val="68665344"/>
         <c:axId val="0"/>
       </c:bar3DChart>
       <c:catAx>
-        <c:axId val="69511040"/>
+        <c:axId val="68650880"/>
         <c:scaling>
           <c:orientation val="minMax"/>
         </c:scaling>
@@ -811,14 +892,14 @@
             <a:endParaRPr lang="en-US"/>
           </a:p>
         </c:txPr>
-        <c:crossAx val="69529600"/>
+        <c:crossAx val="68665344"/>
         <c:crosses val="autoZero"/>
         <c:auto val="1"/>
         <c:lblAlgn val="ctr"/>
         <c:lblOffset val="100"/>
       </c:catAx>
       <c:valAx>
-        <c:axId val="69529600"/>
+        <c:axId val="68665344"/>
         <c:scaling>
           <c:orientation val="minMax"/>
         </c:scaling>
@@ -859,27 +940,20 @@
             <a:endParaRPr lang="en-US"/>
           </a:p>
         </c:txPr>
-        <c:crossAx val="69511040"/>
+        <c:crossAx val="68650880"/>
         <c:crosses val="autoZero"/>
         <c:crossBetween val="between"/>
       </c:valAx>
     </c:plotArea>
-    <c:legend>
-      <c:legendPos val="r"/>
-      <c:layout/>
-      <c:txPr>
-        <a:bodyPr/>
-        <a:lstStyle/>
-        <a:p>
-          <a:pPr>
-            <a:defRPr lang="en-GB"/>
-          </a:pPr>
-          <a:endParaRPr lang="en-US"/>
-        </a:p>
-      </c:txPr>
-    </c:legend>
     <c:plotVisOnly val="1"/>
   </c:chart>
+  <c:spPr>
+    <a:ln>
+      <a:solidFill>
+        <a:prstClr val="black"/>
+      </a:solidFill>
+    </a:ln>
+  </c:spPr>
   <c:externalData r:id="rId1"/>
 </c:chartSpace>
 </file>
@@ -921,6 +995,30 @@
           <c:tx>
             <c:v>series 1</c:v>
           </c:tx>
+          <c:dPt>
+            <c:idx val="0"/>
+            <c:spPr>
+              <a:solidFill>
+                <a:srgbClr val="7030A0"/>
+              </a:solidFill>
+            </c:spPr>
+          </c:dPt>
+          <c:dPt>
+            <c:idx val="1"/>
+            <c:spPr>
+              <a:solidFill>
+                <a:srgbClr val="0070C0"/>
+              </a:solidFill>
+            </c:spPr>
+          </c:dPt>
+          <c:dPt>
+            <c:idx val="2"/>
+            <c:spPr>
+              <a:solidFill>
+                <a:srgbClr val="00B050"/>
+              </a:solidFill>
+            </c:spPr>
+          </c:dPt>
           <c:dLbls>
             <c:txPr>
               <a:bodyPr/>
@@ -991,6 +1089,13 @@
     </c:legend>
     <c:plotVisOnly val="1"/>
   </c:chart>
+  <c:spPr>
+    <a:ln>
+      <a:solidFill>
+        <a:prstClr val="black"/>
+      </a:solidFill>
+    </a:ln>
+  </c:spPr>
   <c:externalData r:id="rId1"/>
 </c:chartSpace>
 </file>
@@ -1032,6 +1137,22 @@
           <c:tx>
             <c:v>series 1</c:v>
           </c:tx>
+          <c:dPt>
+            <c:idx val="1"/>
+            <c:spPr>
+              <a:solidFill>
+                <a:srgbClr val="0070C0"/>
+              </a:solidFill>
+            </c:spPr>
+          </c:dPt>
+          <c:dPt>
+            <c:idx val="2"/>
+            <c:spPr>
+              <a:solidFill>
+                <a:srgbClr val="00B050"/>
+              </a:solidFill>
+            </c:spPr>
+          </c:dPt>
           <c:dLbls>
             <c:txPr>
               <a:bodyPr/>
@@ -1102,6 +1223,13 @@
     </c:legend>
     <c:plotVisOnly val="1"/>
   </c:chart>
+  <c:spPr>
+    <a:ln>
+      <a:solidFill>
+        <a:prstClr val="black"/>
+      </a:solidFill>
+    </a:ln>
+  </c:spPr>
   <c:externalData r:id="rId1"/>
 </c:chartSpace>
 </file>
@@ -1143,6 +1271,11 @@
           <c:tx>
             <c:v>series 1</c:v>
           </c:tx>
+          <c:spPr>
+            <a:solidFill>
+              <a:srgbClr val="002060"/>
+            </a:solidFill>
+          </c:spPr>
           <c:cat>
             <c:strRef>
               <c:f>Sheet1!$D$115:$D$117</c:f>
@@ -1180,12 +1313,12 @@
           </c:val>
         </c:ser>
         <c:shape val="box"/>
-        <c:axId val="72607616"/>
-        <c:axId val="72744960"/>
+        <c:axId val="77846400"/>
+        <c:axId val="79036416"/>
         <c:axId val="0"/>
       </c:bar3DChart>
       <c:catAx>
-        <c:axId val="72607616"/>
+        <c:axId val="77846400"/>
         <c:scaling>
           <c:orientation val="minMax"/>
         </c:scaling>
@@ -1220,14 +1353,14 @@
             <a:endParaRPr lang="en-US"/>
           </a:p>
         </c:txPr>
-        <c:crossAx val="72744960"/>
+        <c:crossAx val="79036416"/>
         <c:crosses val="autoZero"/>
         <c:auto val="1"/>
         <c:lblAlgn val="ctr"/>
         <c:lblOffset val="100"/>
       </c:catAx>
       <c:valAx>
-        <c:axId val="72744960"/>
+        <c:axId val="79036416"/>
         <c:scaling>
           <c:orientation val="minMax"/>
         </c:scaling>
@@ -1268,27 +1401,20 @@
             <a:endParaRPr lang="en-US"/>
           </a:p>
         </c:txPr>
-        <c:crossAx val="72607616"/>
+        <c:crossAx val="77846400"/>
         <c:crosses val="autoZero"/>
         <c:crossBetween val="between"/>
       </c:valAx>
     </c:plotArea>
-    <c:legend>
-      <c:legendPos val="r"/>
-      <c:layout/>
-      <c:txPr>
-        <a:bodyPr/>
-        <a:lstStyle/>
-        <a:p>
-          <a:pPr>
-            <a:defRPr lang="en-GB"/>
-          </a:pPr>
-          <a:endParaRPr lang="en-US"/>
-        </a:p>
-      </c:txPr>
-    </c:legend>
     <c:plotVisOnly val="1"/>
   </c:chart>
+  <c:spPr>
+    <a:ln>
+      <a:solidFill>
+        <a:prstClr val="black"/>
+      </a:solidFill>
+    </a:ln>
+  </c:spPr>
   <c:externalData r:id="rId1"/>
 </c:chartSpace>
 </file>
@@ -1335,6 +1461,11 @@
           <c:tx>
             <c:v>Male</c:v>
           </c:tx>
+          <c:spPr>
+            <a:solidFill>
+              <a:srgbClr val="7030A0"/>
+            </a:solidFill>
+          </c:spPr>
           <c:val>
             <c:numRef>
               <c:f>Sheet1!$B$228:$B$230</c:f>
@@ -1360,6 +1491,11 @@
           <c:tx>
             <c:v>Female</c:v>
           </c:tx>
+          <c:spPr>
+            <a:solidFill>
+              <a:srgbClr val="0070C0"/>
+            </a:solidFill>
+          </c:spPr>
           <c:val>
             <c:numRef>
               <c:f>Sheet1!$C$228:$C$230</c:f>
@@ -1380,12 +1516,12 @@
           </c:val>
         </c:ser>
         <c:shape val="box"/>
-        <c:axId val="72681344"/>
-        <c:axId val="72691712"/>
+        <c:axId val="79095680"/>
+        <c:axId val="66859008"/>
         <c:axId val="0"/>
       </c:bar3DChart>
       <c:catAx>
-        <c:axId val="72681344"/>
+        <c:axId val="79095680"/>
         <c:scaling>
           <c:orientation val="minMax"/>
         </c:scaling>
@@ -1421,14 +1557,14 @@
             <a:endParaRPr lang="en-US"/>
           </a:p>
         </c:txPr>
-        <c:crossAx val="72691712"/>
+        <c:crossAx val="66859008"/>
         <c:crosses val="autoZero"/>
         <c:auto val="1"/>
         <c:lblAlgn val="ctr"/>
         <c:lblOffset val="100"/>
       </c:catAx>
       <c:valAx>
-        <c:axId val="72691712"/>
+        <c:axId val="66859008"/>
         <c:scaling>
           <c:orientation val="minMax"/>
         </c:scaling>
@@ -1464,7 +1600,7 @@
             <a:endParaRPr lang="en-US"/>
           </a:p>
         </c:txPr>
-        <c:crossAx val="72681344"/>
+        <c:crossAx val="79095680"/>
         <c:crosses val="autoZero"/>
         <c:crossBetween val="between"/>
       </c:valAx>
@@ -1485,6 +1621,13 @@
     </c:legend>
     <c:plotVisOnly val="1"/>
   </c:chart>
+  <c:spPr>
+    <a:ln>
+      <a:solidFill>
+        <a:prstClr val="black"/>
+      </a:solidFill>
+    </a:ln>
+  </c:spPr>
   <c:externalData r:id="rId1"/>
 </c:chartSpace>
 </file>
@@ -1539,6 +1682,11 @@
               </c:strCache>
             </c:strRef>
           </c:tx>
+          <c:spPr>
+            <a:solidFill>
+              <a:srgbClr val="7030A0"/>
+            </a:solidFill>
+          </c:spPr>
           <c:cat>
             <c:numRef>
               <c:f>Sheet1!$A$191:$A$193</c:f>
@@ -1590,6 +1738,11 @@
               </c:strCache>
             </c:strRef>
           </c:tx>
+          <c:spPr>
+            <a:solidFill>
+              <a:srgbClr val="00B050"/>
+            </a:solidFill>
+          </c:spPr>
           <c:cat>
             <c:numRef>
               <c:f>Sheet1!$A$191:$A$193</c:f>
@@ -1641,6 +1794,11 @@
               </c:strCache>
             </c:strRef>
           </c:tx>
+          <c:spPr>
+            <a:solidFill>
+              <a:srgbClr val="0070C0"/>
+            </a:solidFill>
+          </c:spPr>
           <c:cat>
             <c:numRef>
               <c:f>Sheet1!$A$191:$A$193</c:f>
@@ -1679,12 +1837,12 @@
           </c:val>
         </c:ser>
         <c:shape val="box"/>
-        <c:axId val="72813184"/>
-        <c:axId val="72819456"/>
+        <c:axId val="66910848"/>
+        <c:axId val="79106816"/>
         <c:axId val="0"/>
       </c:bar3DChart>
       <c:catAx>
-        <c:axId val="72813184"/>
+        <c:axId val="66910848"/>
         <c:scaling>
           <c:orientation val="minMax"/>
         </c:scaling>
@@ -1720,14 +1878,14 @@
             <a:endParaRPr lang="en-US"/>
           </a:p>
         </c:txPr>
-        <c:crossAx val="72819456"/>
+        <c:crossAx val="79106816"/>
         <c:crosses val="autoZero"/>
         <c:auto val="1"/>
         <c:lblAlgn val="ctr"/>
         <c:lblOffset val="100"/>
       </c:catAx>
       <c:valAx>
-        <c:axId val="72819456"/>
+        <c:axId val="79106816"/>
         <c:scaling>
           <c:orientation val="minMax"/>
         </c:scaling>
@@ -1763,7 +1921,7 @@
             <a:endParaRPr lang="en-US"/>
           </a:p>
         </c:txPr>
-        <c:crossAx val="72813184"/>
+        <c:crossAx val="66910848"/>
         <c:crosses val="autoZero"/>
         <c:crossBetween val="between"/>
       </c:valAx>
@@ -1784,6 +1942,13 @@
     </c:legend>
     <c:plotVisOnly val="1"/>
   </c:chart>
+  <c:spPr>
+    <a:ln>
+      <a:solidFill>
+        <a:prstClr val="black"/>
+      </a:solidFill>
+    </a:ln>
+  </c:spPr>
   <c:externalData r:id="rId1"/>
 </c:chartSpace>
 </file>
@@ -1830,6 +1995,30 @@
           <c:tx>
             <c:v>Numerical</c:v>
           </c:tx>
+          <c:dPt>
+            <c:idx val="0"/>
+            <c:spPr>
+              <a:solidFill>
+                <a:srgbClr val="7030A0"/>
+              </a:solidFill>
+            </c:spPr>
+          </c:dPt>
+          <c:dPt>
+            <c:idx val="1"/>
+            <c:spPr>
+              <a:solidFill>
+                <a:srgbClr val="7030A0"/>
+              </a:solidFill>
+            </c:spPr>
+          </c:dPt>
+          <c:dPt>
+            <c:idx val="2"/>
+            <c:spPr>
+              <a:solidFill>
+                <a:srgbClr val="7030A0"/>
+              </a:solidFill>
+            </c:spPr>
+          </c:dPt>
           <c:val>
             <c:numRef>
               <c:f>Sheet1!$C$108:$C$110</c:f>
@@ -1855,6 +2044,11 @@
           <c:tx>
             <c:v>Link name</c:v>
           </c:tx>
+          <c:spPr>
+            <a:solidFill>
+              <a:srgbClr val="0070C0"/>
+            </a:solidFill>
+          </c:spPr>
           <c:val>
             <c:numRef>
               <c:f>Sheet1!$D$108:$D$110</c:f>
@@ -1875,12 +2069,12 @@
           </c:val>
         </c:ser>
         <c:shape val="box"/>
-        <c:axId val="72874624"/>
-        <c:axId val="80024320"/>
+        <c:axId val="79161984"/>
+        <c:axId val="81265408"/>
         <c:axId val="0"/>
       </c:bar3DChart>
       <c:catAx>
-        <c:axId val="72874624"/>
+        <c:axId val="79161984"/>
         <c:scaling>
           <c:orientation val="minMax"/>
         </c:scaling>
@@ -1915,14 +2109,14 @@
             <a:endParaRPr lang="en-US"/>
           </a:p>
         </c:txPr>
-        <c:crossAx val="80024320"/>
+        <c:crossAx val="81265408"/>
         <c:crosses val="autoZero"/>
         <c:auto val="1"/>
         <c:lblAlgn val="ctr"/>
         <c:lblOffset val="100"/>
       </c:catAx>
       <c:valAx>
-        <c:axId val="80024320"/>
+        <c:axId val="81265408"/>
         <c:scaling>
           <c:orientation val="minMax"/>
         </c:scaling>
@@ -1958,7 +2152,7 @@
             <a:endParaRPr lang="en-US"/>
           </a:p>
         </c:txPr>
-        <c:crossAx val="72874624"/>
+        <c:crossAx val="79161984"/>
         <c:crosses val="autoZero"/>
         <c:crossBetween val="between"/>
       </c:valAx>
@@ -1979,6 +2173,13 @@
     </c:legend>
     <c:plotVisOnly val="1"/>
   </c:chart>
+  <c:spPr>
+    <a:ln>
+      <a:solidFill>
+        <a:prstClr val="black"/>
+      </a:solidFill>
+    </a:ln>
+  </c:spPr>
   <c:externalData r:id="rId1"/>
 </c:chartSpace>
 </file>
@@ -16015,8 +16216,43 @@
                 <a:latin typeface="Arial" pitchFamily="34" charset="0"/>
                 <a:cs typeface="Arial" pitchFamily="34" charset="0"/>
               </a:rPr>
-              <a:t>No feedback sections</a:t>
-            </a:r>
+              <a:t>Similar to iteration 1.</a:t>
+            </a:r>
+          </a:p>
+          <a:p>
+            <a:pPr marL="1115568" lvl="2" indent="-246888">
+              <a:spcBef>
+                <a:spcPts val="300"/>
+              </a:spcBef>
+              <a:buFont typeface="Arial" pitchFamily="34" charset="0"/>
+              <a:buChar char="•"/>
+              <a:defRPr/>
+            </a:pPr>
+            <a:r>
+              <a:rPr lang="en-US" sz="3200" dirty="0" smtClean="0">
+                <a:latin typeface="Arial" pitchFamily="34" charset="0"/>
+                <a:cs typeface="Arial" pitchFamily="34" charset="0"/>
+              </a:rPr>
+              <a:t>No </a:t>
+            </a:r>
+            <a:r>
+              <a:rPr lang="en-US" sz="3200" dirty="0" smtClean="0">
+                <a:latin typeface="Arial" pitchFamily="34" charset="0"/>
+                <a:cs typeface="Arial" pitchFamily="34" charset="0"/>
+              </a:rPr>
+              <a:t>feedback </a:t>
+            </a:r>
+            <a:r>
+              <a:rPr lang="en-US" sz="3200" dirty="0" smtClean="0">
+                <a:latin typeface="Arial" pitchFamily="34" charset="0"/>
+                <a:cs typeface="Arial" pitchFamily="34" charset="0"/>
+              </a:rPr>
+              <a:t>sections.</a:t>
+            </a:r>
+            <a:endParaRPr lang="en-US" sz="3200" dirty="0" smtClean="0">
+              <a:latin typeface="Arial" pitchFamily="34" charset="0"/>
+              <a:cs typeface="Arial" pitchFamily="34" charset="0"/>
+            </a:endParaRPr>
           </a:p>
         </p:txBody>
       </p:sp>
@@ -17735,19 +17971,8 @@
                 <a:latin typeface="Arial" pitchFamily="34" charset="0"/>
                 <a:cs typeface="Arial" pitchFamily="34" charset="0"/>
               </a:rPr>
-              <a:t>Numerical referencing: </a:t>
-            </a:r>
-            <a:r>
-              <a:rPr lang="en-US" sz="3500" dirty="0" smtClean="0">
-                <a:latin typeface="Arial" pitchFamily="34" charset="0"/>
-                <a:cs typeface="Arial" pitchFamily="34" charset="0"/>
-              </a:rPr>
-              <a:t>70%. </a:t>
-            </a:r>
-            <a:endParaRPr lang="en-US" sz="3500" dirty="0" smtClean="0">
-              <a:latin typeface="Arial" pitchFamily="34" charset="0"/>
-              <a:cs typeface="Arial" pitchFamily="34" charset="0"/>
-            </a:endParaRPr>
+              <a:t>Numerical referencing: 70%. </a:t>
+            </a:r>
           </a:p>
           <a:p>
             <a:pPr marL="1115568" lvl="2" indent="-246888">
@@ -17769,7 +17994,7 @@
                 <a:latin typeface="Arial" pitchFamily="34" charset="0"/>
                 <a:cs typeface="Arial" pitchFamily="34" charset="0"/>
               </a:rPr>
-              <a:t>29%.</a:t>
+              <a:t>30%.</a:t>
             </a:r>
             <a:endParaRPr lang="en-US" sz="3200" dirty="0" smtClean="0">
               <a:latin typeface="Arial" pitchFamily="34" charset="0"/>
@@ -17818,8 +18043,8 @@
           <p:nvPr/>
         </p:nvGraphicFramePr>
         <p:xfrm>
-          <a:off x="4182256" y="3641860"/>
-          <a:ext cx="4422098" cy="2840636"/>
+          <a:off x="4282440" y="3672840"/>
+          <a:ext cx="4321914" cy="2809656"/>
         </p:xfrm>
         <a:graphic>
           <a:graphicData uri="http://schemas.openxmlformats.org/drawingml/2006/chart">
@@ -17835,7 +18060,7 @@
         </p:nvSpPr>
         <p:spPr>
           <a:xfrm>
-            <a:off x="624840" y="3398520"/>
+            <a:off x="533400" y="3200400"/>
             <a:ext cx="5410200" cy="907941"/>
           </a:xfrm>
           <a:prstGeom prst="rect">
@@ -18112,8 +18337,8 @@
           <p:nvPr/>
         </p:nvGraphicFramePr>
         <p:xfrm>
-          <a:off x="3395270" y="1200212"/>
-          <a:ext cx="4654447" cy="2881860"/>
+          <a:off x="4114800" y="1203960"/>
+          <a:ext cx="4117797" cy="2695232"/>
         </p:xfrm>
         <a:graphic>
           <a:graphicData uri="http://schemas.openxmlformats.org/drawingml/2006/chart">
@@ -18128,8 +18353,8 @@
           <p:nvPr/>
         </p:nvGraphicFramePr>
         <p:xfrm>
-          <a:off x="3392774" y="3931920"/>
-          <a:ext cx="4572000" cy="2743200"/>
+          <a:off x="3368040" y="4069080"/>
+          <a:ext cx="4200494" cy="2606040"/>
         </p:xfrm>
         <a:graphic>
           <a:graphicData uri="http://schemas.openxmlformats.org/drawingml/2006/chart">
@@ -18473,19 +18698,8 @@
                 <a:latin typeface="Arial" pitchFamily="34" charset="0"/>
                 <a:cs typeface="Arial" pitchFamily="34" charset="0"/>
               </a:rPr>
-              <a:t>Numerical referencing: </a:t>
-            </a:r>
-            <a:r>
-              <a:rPr lang="en-US" sz="3500" dirty="0" smtClean="0">
-                <a:latin typeface="Arial" pitchFamily="34" charset="0"/>
-                <a:cs typeface="Arial" pitchFamily="34" charset="0"/>
-              </a:rPr>
-              <a:t>68%. </a:t>
-            </a:r>
-            <a:endParaRPr lang="en-US" sz="3500" dirty="0" smtClean="0">
-              <a:latin typeface="Arial" pitchFamily="34" charset="0"/>
-              <a:cs typeface="Arial" pitchFamily="34" charset="0"/>
-            </a:endParaRPr>
+              <a:t>Numerical referencing: 68%. </a:t>
+            </a:r>
           </a:p>
           <a:p>
             <a:pPr marL="1115568" lvl="2" indent="-246888">
@@ -18507,7 +18721,7 @@
                 <a:latin typeface="Arial" pitchFamily="34" charset="0"/>
                 <a:cs typeface="Arial" pitchFamily="34" charset="0"/>
               </a:rPr>
-              <a:t>31%.</a:t>
+              <a:t>32%.</a:t>
             </a:r>
             <a:endParaRPr lang="en-US" sz="3200" dirty="0" smtClean="0">
               <a:latin typeface="Arial" pitchFamily="34" charset="0"/>
@@ -18556,8 +18770,8 @@
           <p:nvPr/>
         </p:nvGraphicFramePr>
         <p:xfrm>
-          <a:off x="4069580" y="3646857"/>
-          <a:ext cx="4572000" cy="2743200"/>
+          <a:off x="4556760" y="3916680"/>
+          <a:ext cx="4084820" cy="2473376"/>
         </p:xfrm>
         <a:graphic>
           <a:graphicData uri="http://schemas.openxmlformats.org/drawingml/2006/chart">
@@ -18897,8 +19111,8 @@
           <p:nvPr/>
         </p:nvGraphicFramePr>
         <p:xfrm>
-          <a:off x="4369631" y="1011837"/>
-          <a:ext cx="4572000" cy="2743200"/>
+          <a:off x="4678679" y="1173479"/>
+          <a:ext cx="4262951" cy="2581557"/>
         </p:xfrm>
         <a:graphic>
           <a:graphicData uri="http://schemas.openxmlformats.org/drawingml/2006/chart">
@@ -18962,8 +19176,8 @@
           <p:nvPr/>
         </p:nvGraphicFramePr>
         <p:xfrm>
-          <a:off x="4279691" y="3904938"/>
-          <a:ext cx="4572000" cy="2743200"/>
+          <a:off x="4998720" y="4160520"/>
+          <a:ext cx="3852970" cy="2487618"/>
         </p:xfrm>
         <a:graphic>
           <a:graphicData uri="http://schemas.openxmlformats.org/drawingml/2006/chart">
@@ -19240,19 +19454,8 @@
                 <a:latin typeface="Arial" pitchFamily="34" charset="0"/>
                 <a:cs typeface="Arial" pitchFamily="34" charset="0"/>
               </a:rPr>
-              <a:t>Link name referencing: </a:t>
-            </a:r>
-            <a:r>
-              <a:rPr lang="en-US" sz="3200" dirty="0" smtClean="0">
-                <a:latin typeface="Arial" pitchFamily="34" charset="0"/>
-                <a:cs typeface="Arial" pitchFamily="34" charset="0"/>
-              </a:rPr>
-              <a:t>54%.</a:t>
-            </a:r>
-            <a:endParaRPr lang="en-US" sz="3200" dirty="0" smtClean="0">
-              <a:latin typeface="Arial" pitchFamily="34" charset="0"/>
-              <a:cs typeface="Arial" pitchFamily="34" charset="0"/>
-            </a:endParaRPr>
+              <a:t>Link name referencing: 54%.</a:t>
+            </a:r>
           </a:p>
           <a:p>
             <a:pPr marL="1115568" lvl="2" indent="-246888">
@@ -19274,7 +19477,7 @@
                 <a:latin typeface="Arial" pitchFamily="34" charset="0"/>
                 <a:cs typeface="Arial" pitchFamily="34" charset="0"/>
               </a:rPr>
-              <a:t>45%.</a:t>
+              <a:t>46%.</a:t>
             </a:r>
             <a:endParaRPr lang="en-US" sz="3200" dirty="0" smtClean="0">
               <a:latin typeface="Arial" pitchFamily="34" charset="0"/>
@@ -19677,7 +19880,7 @@
           <p:nvPr/>
         </p:nvGraphicFramePr>
         <p:xfrm>
-          <a:off x="2301240" y="2453640"/>
+          <a:off x="1996440" y="2667000"/>
           <a:ext cx="5455920" cy="3596640"/>
         </p:xfrm>
         <a:graphic>
@@ -20964,7 +21167,7 @@
         </p:nvSpPr>
         <p:spPr>
           <a:xfrm>
-            <a:off x="-498184" y="4728119"/>
+            <a:off x="-498184" y="4865279"/>
             <a:ext cx="10523095" cy="1439217"/>
           </a:xfrm>
           <a:prstGeom prst="rect">
@@ -21014,7 +21217,7 @@
           <p:nvPr/>
         </p:nvGraphicFramePr>
         <p:xfrm>
-          <a:off x="1980456" y="2036823"/>
+          <a:off x="2209056" y="2036823"/>
           <a:ext cx="4572000" cy="2743200"/>
         </p:xfrm>
         <a:graphic>
